--- a/database/slides/SWEET_HEART_OF_JESUS.pptx
+++ b/database/slides/SWEET_HEART_OF_JESUS.pptx
@@ -16040,7 +16040,13 @@
       </p:sp>
       <p:sp>
         <p:nvSpPr>
-          <p:cNvPr id="131" name="Google Shape;131;p25"/>
+          <p:cNvPr id="2" name="Google Shape;131;p25">
+            <a:extLst>
+              <a:ext uri="{FF2B5EF4-FFF2-40B4-BE49-F238E27FC236}">
+                <a16:creationId xmlns:a16="http://schemas.microsoft.com/office/drawing/2014/main" id="{BEE97B0F-363A-86D9-87EE-7578AC57B7DA}"/>
+              </a:ext>
+            </a:extLst>
+          </p:cNvPr>
           <p:cNvSpPr txBox="1"/>
           <p:nvPr/>
         </p:nvSpPr>
@@ -16063,11 +16069,19 @@
           </a:bodyPr>
           <a:lstStyle/>
           <a:p>
-            <a:pPr>
+            <a:pPr marL="0" lvl="0" indent="0" algn="l" rtl="0">
+              <a:spcBef>
+                <a:spcPts val="0"/>
+              </a:spcBef>
+              <a:spcAft>
+                <a:spcPts val="0"/>
+              </a:spcAft>
               <a:buClr>
                 <a:schemeClr val="lt1"/>
               </a:buClr>
               <a:buSzPts val="3200"/>
+              <a:buFont typeface="Arial"/>
+              <a:buNone/>
             </a:pPr>
             <a:r>
               <a:rPr lang="en-GB" sz="3600" b="1" i="1" dirty="0">
@@ -16081,7 +16095,7 @@
               </a:rPr>
               <a:t>contd..</a:t>
             </a:r>
-            <a:endParaRPr lang="en-GB" sz="3600" dirty="0">
+            <a:endParaRPr sz="3600" dirty="0">
               <a:latin typeface="Calibri"/>
               <a:ea typeface="Calibri"/>
               <a:cs typeface="Calibri"/>
@@ -16403,7 +16417,13 @@
       </p:sp>
       <p:sp>
         <p:nvSpPr>
-          <p:cNvPr id="131" name="Google Shape;131;p25"/>
+          <p:cNvPr id="2" name="Google Shape;131;p25">
+            <a:extLst>
+              <a:ext uri="{FF2B5EF4-FFF2-40B4-BE49-F238E27FC236}">
+                <a16:creationId xmlns:a16="http://schemas.microsoft.com/office/drawing/2014/main" id="{03293560-4531-24EC-B8CC-9213D6024091}"/>
+              </a:ext>
+            </a:extLst>
+          </p:cNvPr>
           <p:cNvSpPr txBox="1"/>
           <p:nvPr/>
         </p:nvSpPr>
@@ -16426,11 +16446,19 @@
           </a:bodyPr>
           <a:lstStyle/>
           <a:p>
-            <a:pPr>
+            <a:pPr marL="0" lvl="0" indent="0" algn="l" rtl="0">
+              <a:spcBef>
+                <a:spcPts val="0"/>
+              </a:spcBef>
+              <a:spcAft>
+                <a:spcPts val="0"/>
+              </a:spcAft>
               <a:buClr>
                 <a:schemeClr val="lt1"/>
               </a:buClr>
               <a:buSzPts val="3200"/>
+              <a:buFont typeface="Arial"/>
+              <a:buNone/>
             </a:pPr>
             <a:r>
               <a:rPr lang="en-GB" sz="3600" b="1" i="1" dirty="0">
@@ -16444,7 +16472,7 @@
               </a:rPr>
               <a:t>contd..</a:t>
             </a:r>
-            <a:endParaRPr lang="en-GB" sz="3600" dirty="0">
+            <a:endParaRPr sz="3600" dirty="0">
               <a:latin typeface="Calibri"/>
               <a:ea typeface="Calibri"/>
               <a:cs typeface="Calibri"/>
@@ -16755,7 +16783,13 @@
       </p:sp>
       <p:sp>
         <p:nvSpPr>
-          <p:cNvPr id="131" name="Google Shape;131;p25"/>
+          <p:cNvPr id="2" name="Google Shape;131;p25">
+            <a:extLst>
+              <a:ext uri="{FF2B5EF4-FFF2-40B4-BE49-F238E27FC236}">
+                <a16:creationId xmlns:a16="http://schemas.microsoft.com/office/drawing/2014/main" id="{CED53561-1DDE-6637-81D6-4229816EB0E8}"/>
+              </a:ext>
+            </a:extLst>
+          </p:cNvPr>
           <p:cNvSpPr txBox="1"/>
           <p:nvPr/>
         </p:nvSpPr>
@@ -16778,11 +16812,19 @@
           </a:bodyPr>
           <a:lstStyle/>
           <a:p>
-            <a:pPr>
+            <a:pPr marL="0" lvl="0" indent="0" algn="l" rtl="0">
+              <a:spcBef>
+                <a:spcPts val="0"/>
+              </a:spcBef>
+              <a:spcAft>
+                <a:spcPts val="0"/>
+              </a:spcAft>
               <a:buClr>
                 <a:schemeClr val="lt1"/>
               </a:buClr>
               <a:buSzPts val="3200"/>
+              <a:buFont typeface="Arial"/>
+              <a:buNone/>
             </a:pPr>
             <a:r>
               <a:rPr lang="en-GB" sz="3600" b="1" i="1" dirty="0">
@@ -16796,7 +16838,7 @@
               </a:rPr>
               <a:t>contd..</a:t>
             </a:r>
-            <a:endParaRPr lang="en-GB" sz="3600" dirty="0">
+            <a:endParaRPr sz="3600" dirty="0">
               <a:latin typeface="Calibri"/>
               <a:ea typeface="Calibri"/>
               <a:cs typeface="Calibri"/>

--- a/database/slides/SWEET_HEART_OF_JESUS.pptx
+++ b/database/slides/SWEET_HEART_OF_JESUS.pptx
@@ -17174,7 +17174,13 @@
       </p:sp>
       <p:sp>
         <p:nvSpPr>
-          <p:cNvPr id="131" name="Google Shape;131;p25"/>
+          <p:cNvPr id="2" name="Google Shape;131;p25">
+            <a:extLst>
+              <a:ext uri="{FF2B5EF4-FFF2-40B4-BE49-F238E27FC236}">
+                <a16:creationId xmlns:a16="http://schemas.microsoft.com/office/drawing/2014/main" id="{29B4951D-D8FE-0D3F-E472-09FDF7AC12A9}"/>
+              </a:ext>
+            </a:extLst>
+          </p:cNvPr>
           <p:cNvSpPr txBox="1"/>
           <p:nvPr/>
         </p:nvSpPr>
@@ -17197,21 +17203,26 @@
           </a:bodyPr>
           <a:lstStyle/>
           <a:p>
-            <a:pPr>
+            <a:pPr marL="0" lvl="0" indent="0" algn="l" rtl="0">
+              <a:spcBef>
+                <a:spcPts val="0"/>
+              </a:spcBef>
+              <a:spcAft>
+                <a:spcPts val="0"/>
+              </a:spcAft>
               <a:buClr>
                 <a:schemeClr val="lt1"/>
               </a:buClr>
               <a:buSzPts val="3200"/>
+              <a:buFont typeface="Arial"/>
+              <a:buNone/>
             </a:pPr>
-            <a:r>
-              <a:rPr lang="en-GB" sz="3600" dirty="0">
-                <a:latin typeface="Calibri"/>
-                <a:ea typeface="Calibri"/>
-                <a:cs typeface="Calibri"/>
-                <a:sym typeface="Calibri"/>
-              </a:rPr>
-              <a:t>s</a:t>
-            </a:r>
+            <a:endParaRPr sz="3600" dirty="0">
+              <a:latin typeface="Calibri"/>
+              <a:ea typeface="Calibri"/>
+              <a:cs typeface="Calibri"/>
+              <a:sym typeface="Calibri"/>
+            </a:endParaRPr>
           </a:p>
         </p:txBody>
       </p:sp>
